--- a/prednasky/Prezentacia7 - monitorovanie.pptx
+++ b/prednasky/Prezentacia7 - monitorovanie.pptx
@@ -12,8 +12,8 @@
     <p:sldId id="259" r:id="rId6"/>
     <p:sldId id="260" r:id="rId7"/>
     <p:sldId id="262" r:id="rId8"/>
-    <p:sldId id="263" r:id="rId9"/>
-    <p:sldId id="264" r:id="rId10"/>
+    <p:sldId id="264" r:id="rId9"/>
+    <p:sldId id="263" r:id="rId10"/>
     <p:sldId id="265" r:id="rId11"/>
     <p:sldId id="266" r:id="rId12"/>
   </p:sldIdLst>
@@ -114,6 +114,11 @@
       </a:defRPr>
     </a:lvl9pPr>
   </p:defaultTextStyle>
+  <p:extLst>
+    <p:ext uri="{EFAFB233-063F-42B5-8137-9DF3F51BA10A}">
+      <p15:sldGuideLst xmlns:p15="http://schemas.microsoft.com/office/powerpoint/2012/main"/>
+    </p:ext>
+  </p:extLst>
 </p:presentation>
 </file>
 
@@ -264,7 +269,7 @@
           <a:p>
             <a:fld id="{F5322EBB-3A29-4B33-9B06-5679975F6000}" type="datetimeFigureOut">
               <a:rPr lang="en-US" smtClean="0"/>
-              <a:t>4/14/2021</a:t>
+              <a:t>4/15/2021</a:t>
             </a:fld>
             <a:endParaRPr lang="en-US"/>
           </a:p>
@@ -462,7 +467,7 @@
           <a:p>
             <a:fld id="{F5322EBB-3A29-4B33-9B06-5679975F6000}" type="datetimeFigureOut">
               <a:rPr lang="en-US" smtClean="0"/>
-              <a:t>4/14/2021</a:t>
+              <a:t>4/15/2021</a:t>
             </a:fld>
             <a:endParaRPr lang="en-US"/>
           </a:p>
@@ -670,7 +675,7 @@
           <a:p>
             <a:fld id="{F5322EBB-3A29-4B33-9B06-5679975F6000}" type="datetimeFigureOut">
               <a:rPr lang="en-US" smtClean="0"/>
-              <a:t>4/14/2021</a:t>
+              <a:t>4/15/2021</a:t>
             </a:fld>
             <a:endParaRPr lang="en-US"/>
           </a:p>
@@ -868,7 +873,7 @@
           <a:p>
             <a:fld id="{F5322EBB-3A29-4B33-9B06-5679975F6000}" type="datetimeFigureOut">
               <a:rPr lang="en-US" smtClean="0"/>
-              <a:t>4/14/2021</a:t>
+              <a:t>4/15/2021</a:t>
             </a:fld>
             <a:endParaRPr lang="en-US"/>
           </a:p>
@@ -1143,7 +1148,7 @@
           <a:p>
             <a:fld id="{F5322EBB-3A29-4B33-9B06-5679975F6000}" type="datetimeFigureOut">
               <a:rPr lang="en-US" smtClean="0"/>
-              <a:t>4/14/2021</a:t>
+              <a:t>4/15/2021</a:t>
             </a:fld>
             <a:endParaRPr lang="en-US"/>
           </a:p>
@@ -1408,7 +1413,7 @@
           <a:p>
             <a:fld id="{F5322EBB-3A29-4B33-9B06-5679975F6000}" type="datetimeFigureOut">
               <a:rPr lang="en-US" smtClean="0"/>
-              <a:t>4/14/2021</a:t>
+              <a:t>4/15/2021</a:t>
             </a:fld>
             <a:endParaRPr lang="en-US"/>
           </a:p>
@@ -1820,7 +1825,7 @@
           <a:p>
             <a:fld id="{F5322EBB-3A29-4B33-9B06-5679975F6000}" type="datetimeFigureOut">
               <a:rPr lang="en-US" smtClean="0"/>
-              <a:t>4/14/2021</a:t>
+              <a:t>4/15/2021</a:t>
             </a:fld>
             <a:endParaRPr lang="en-US"/>
           </a:p>
@@ -1961,7 +1966,7 @@
           <a:p>
             <a:fld id="{F5322EBB-3A29-4B33-9B06-5679975F6000}" type="datetimeFigureOut">
               <a:rPr lang="en-US" smtClean="0"/>
-              <a:t>4/14/2021</a:t>
+              <a:t>4/15/2021</a:t>
             </a:fld>
             <a:endParaRPr lang="en-US"/>
           </a:p>
@@ -2074,7 +2079,7 @@
           <a:p>
             <a:fld id="{F5322EBB-3A29-4B33-9B06-5679975F6000}" type="datetimeFigureOut">
               <a:rPr lang="en-US" smtClean="0"/>
-              <a:t>4/14/2021</a:t>
+              <a:t>4/15/2021</a:t>
             </a:fld>
             <a:endParaRPr lang="en-US"/>
           </a:p>
@@ -2385,7 +2390,7 @@
           <a:p>
             <a:fld id="{F5322EBB-3A29-4B33-9B06-5679975F6000}" type="datetimeFigureOut">
               <a:rPr lang="en-US" smtClean="0"/>
-              <a:t>4/14/2021</a:t>
+              <a:t>4/15/2021</a:t>
             </a:fld>
             <a:endParaRPr lang="en-US"/>
           </a:p>
@@ -2673,7 +2678,7 @@
           <a:p>
             <a:fld id="{F5322EBB-3A29-4B33-9B06-5679975F6000}" type="datetimeFigureOut">
               <a:rPr lang="en-US" smtClean="0"/>
-              <a:t>4/14/2021</a:t>
+              <a:t>4/15/2021</a:t>
             </a:fld>
             <a:endParaRPr lang="en-US"/>
           </a:p>
@@ -2914,7 +2919,7 @@
           <a:p>
             <a:fld id="{F5322EBB-3A29-4B33-9B06-5679975F6000}" type="datetimeFigureOut">
               <a:rPr lang="en-US" smtClean="0"/>
-              <a:t>4/14/2021</a:t>
+              <a:t>4/15/2021</a:t>
             </a:fld>
             <a:endParaRPr lang="en-US"/>
           </a:p>
@@ -5137,6 +5142,14 @@
             </a:r>
             <a:r>
               <a:rPr lang="en-US" dirty="0" err="1"/>
+              <a:t>sa</a:t>
+            </a:r>
+            <a:r>
+              <a:rPr lang="en-US" dirty="0"/>
+              <a:t> </a:t>
+            </a:r>
+            <a:r>
+              <a:rPr lang="en-US" dirty="0" err="1"/>
               <a:t>ze</a:t>
             </a:r>
             <a:r>
@@ -5481,6 +5494,12 @@
             </a:r>
           </a:p>
           <a:p>
+            <a:pPr marL="457200" lvl="1" indent="0">
+              <a:buNone/>
+            </a:pPr>
+            <a:endParaRPr lang="en-US" dirty="0"/>
+          </a:p>
+          <a:p>
             <a:r>
               <a:rPr lang="en-US" dirty="0" err="1"/>
               <a:t>Distribuovane</a:t>
@@ -5639,7 +5658,7 @@
           <p:cNvPr id="2" name="Title 1">
             <a:extLst>
               <a:ext uri="{FF2B5EF4-FFF2-40B4-BE49-F238E27FC236}">
-                <a16:creationId xmlns:a16="http://schemas.microsoft.com/office/drawing/2014/main" id="{1DDEB090-7B9D-4FED-8B06-9E5F8AEC2204}"/>
+                <a16:creationId xmlns:a16="http://schemas.microsoft.com/office/drawing/2014/main" id="{80F0B593-80BD-4C95-A7A7-2CDCAF6246A2}"/>
               </a:ext>
             </a:extLst>
           </p:cNvPr>
@@ -5657,80 +5676,207 @@
           <a:p>
             <a:r>
               <a:rPr lang="en-US" dirty="0" err="1"/>
-              <a:t>Varovania</a:t>
+              <a:t>Monitorovaci</a:t>
+            </a:r>
+            <a:r>
+              <a:rPr lang="en-US" dirty="0"/>
+              <a:t> system</a:t>
+            </a:r>
+          </a:p>
+        </p:txBody>
+      </p:sp>
+      <p:sp>
+        <p:nvSpPr>
+          <p:cNvPr id="3" name="Content Placeholder 2">
+            <a:extLst>
+              <a:ext uri="{FF2B5EF4-FFF2-40B4-BE49-F238E27FC236}">
+                <a16:creationId xmlns:a16="http://schemas.microsoft.com/office/drawing/2014/main" id="{93414D50-E7D1-4424-93AA-3FEF561B94D4}"/>
+              </a:ext>
+            </a:extLst>
+          </p:cNvPr>
+          <p:cNvSpPr>
+            <a:spLocks noGrp="1"/>
+          </p:cNvSpPr>
+          <p:nvPr>
+            <p:ph idx="1"/>
+          </p:nvPr>
+        </p:nvSpPr>
+        <p:spPr/>
+        <p:txBody>
+          <a:bodyPr/>
+          <a:lstStyle/>
+          <a:p>
+            <a:r>
+              <a:rPr lang="en-US" dirty="0" err="1"/>
+              <a:t>Poziadavky</a:t>
+            </a:r>
+            <a:r>
+              <a:rPr lang="en-US" dirty="0"/>
+              <a:t>:</a:t>
+            </a:r>
+          </a:p>
+          <a:p>
+            <a:pPr lvl="1"/>
+            <a:r>
+              <a:rPr lang="en-US" dirty="0" err="1"/>
+              <a:t>Spracovanie</a:t>
+            </a:r>
+            <a:r>
+              <a:rPr lang="en-US" dirty="0"/>
+              <a:t> a </a:t>
+            </a:r>
+            <a:r>
+              <a:rPr lang="en-US" dirty="0" err="1"/>
+              <a:t>ukladanie</a:t>
+            </a:r>
+            <a:r>
+              <a:rPr lang="en-US" dirty="0"/>
+              <a:t> – </a:t>
+            </a:r>
+            <a:r>
+              <a:rPr lang="en-US" dirty="0" err="1"/>
+              <a:t>prichadzajucich</a:t>
+            </a:r>
+            <a:r>
+              <a:rPr lang="en-US" dirty="0"/>
+              <a:t> </a:t>
+            </a:r>
+            <a:r>
+              <a:rPr lang="en-US" dirty="0" err="1"/>
+              <a:t>dat</a:t>
             </a:r>
             <a:endParaRPr lang="en-US" dirty="0"/>
           </a:p>
-        </p:txBody>
-      </p:sp>
-      <p:sp>
-        <p:nvSpPr>
-          <p:cNvPr id="3" name="Content Placeholder 2">
-            <a:extLst>
-              <a:ext uri="{FF2B5EF4-FFF2-40B4-BE49-F238E27FC236}">
-                <a16:creationId xmlns:a16="http://schemas.microsoft.com/office/drawing/2014/main" id="{6EE0500E-59F1-47FD-884B-F120338ADD35}"/>
-              </a:ext>
-            </a:extLst>
-          </p:cNvPr>
-          <p:cNvSpPr>
-            <a:spLocks noGrp="1"/>
-          </p:cNvSpPr>
-          <p:nvPr>
-            <p:ph idx="1"/>
-          </p:nvPr>
-        </p:nvSpPr>
-        <p:spPr/>
-        <p:txBody>
-          <a:bodyPr/>
-          <a:lstStyle/>
-          <a:p>
-            <a:r>
-              <a:rPr lang="en-US" dirty="0" err="1"/>
-              <a:t>Poziadavky</a:t>
-            </a:r>
-            <a:r>
-              <a:rPr lang="en-US" dirty="0"/>
-              <a:t>:</a:t>
-            </a:r>
-          </a:p>
           <a:p>
             <a:pPr lvl="1"/>
             <a:r>
               <a:rPr lang="en-US" dirty="0" err="1"/>
-              <a:t>Upozornit</a:t>
+              <a:t>Vizualizacia</a:t>
+            </a:r>
+            <a:r>
+              <a:rPr lang="en-US" dirty="0"/>
+              <a:t> </a:t>
+            </a:r>
+          </a:p>
+          <a:p>
+            <a:pPr lvl="1"/>
+            <a:r>
+              <a:rPr lang="en-US" dirty="0" err="1"/>
+              <a:t>Varovanie</a:t>
             </a:r>
             <a:endParaRPr lang="en-US" dirty="0"/>
           </a:p>
           <a:p>
             <a:pPr lvl="1"/>
-            <a:r>
-              <a:rPr lang="en-US" dirty="0" err="1"/>
-              <a:t>Zautomatizovane</a:t>
-            </a:r>
             <a:endParaRPr lang="en-US" dirty="0"/>
           </a:p>
           <a:p>
             <a:pPr lvl="1"/>
             <a:r>
-              <a:rPr lang="en-US" dirty="0" err="1"/>
-              <a:t>Triedenie</a:t>
-            </a:r>
-            <a:r>
-              <a:rPr lang="en-US" dirty="0"/>
-              <a:t> </a:t>
-            </a:r>
-            <a:r>
-              <a:rPr lang="en-US" dirty="0" err="1"/>
-              <a:t>problemov</a:t>
-            </a:r>
-            <a:endParaRPr lang="en-US" dirty="0"/>
+              <a:rPr lang="en-US" dirty="0"/>
+              <a:t>Pre </a:t>
+            </a:r>
+            <a:r>
+              <a:rPr lang="en-US" dirty="0" err="1"/>
+              <a:t>monitorovanie</a:t>
+            </a:r>
+            <a:r>
+              <a:rPr lang="en-US" dirty="0"/>
+              <a:t> ML</a:t>
+            </a:r>
+          </a:p>
+          <a:p>
+            <a:pPr lvl="2"/>
+            <a:r>
+              <a:rPr lang="en-US" dirty="0" err="1"/>
+              <a:t>Monitorovanie</a:t>
+            </a:r>
+            <a:r>
+              <a:rPr lang="en-US" dirty="0"/>
+              <a:t> </a:t>
+            </a:r>
+            <a:r>
+              <a:rPr lang="en-US" dirty="0" err="1"/>
+              <a:t>predikcii</a:t>
+            </a:r>
+            <a:r>
+              <a:rPr lang="en-US" dirty="0"/>
+              <a:t> – </a:t>
+            </a:r>
+            <a:r>
+              <a:rPr lang="en-US" dirty="0" err="1"/>
+              <a:t>sledovanie</a:t>
+            </a:r>
+            <a:r>
+              <a:rPr lang="en-US" dirty="0"/>
+              <a:t> </a:t>
+            </a:r>
+            <a:r>
+              <a:rPr lang="en-US" dirty="0" err="1"/>
+              <a:t>zmeny</a:t>
+            </a:r>
+            <a:r>
+              <a:rPr lang="en-US" dirty="0"/>
+              <a:t> </a:t>
+            </a:r>
+            <a:r>
+              <a:rPr lang="en-US" dirty="0" err="1"/>
+              <a:t>distribucie</a:t>
+            </a:r>
+            <a:r>
+              <a:rPr lang="en-US" dirty="0"/>
+              <a:t>, a pod…</a:t>
+            </a:r>
+          </a:p>
+          <a:p>
+            <a:pPr lvl="2"/>
+            <a:r>
+              <a:rPr lang="en-US" dirty="0" err="1"/>
+              <a:t>Monitorovanie</a:t>
+            </a:r>
+            <a:r>
+              <a:rPr lang="en-US" dirty="0"/>
+              <a:t> </a:t>
+            </a:r>
+            <a:r>
+              <a:rPr lang="en-US" dirty="0" err="1"/>
+              <a:t>vykonnosti</a:t>
+            </a:r>
+            <a:r>
+              <a:rPr lang="en-US" dirty="0"/>
+              <a:t> – </a:t>
+            </a:r>
+            <a:r>
+              <a:rPr lang="en-US" dirty="0" err="1"/>
+              <a:t>rychlost</a:t>
+            </a:r>
+            <a:r>
+              <a:rPr lang="en-US" dirty="0"/>
+              <a:t> </a:t>
+            </a:r>
+            <a:r>
+              <a:rPr lang="en-US" dirty="0" err="1"/>
+              <a:t>trenovania</a:t>
+            </a:r>
+            <a:r>
+              <a:rPr lang="en-US" dirty="0"/>
+              <a:t>, </a:t>
+            </a:r>
+            <a:r>
+              <a:rPr lang="en-US" dirty="0" err="1"/>
+              <a:t>odozva</a:t>
+            </a:r>
+            <a:r>
+              <a:rPr lang="en-US" dirty="0"/>
+              <a:t> API, a pod…</a:t>
+            </a:r>
           </a:p>
         </p:txBody>
       </p:sp>
     </p:spTree>
     <p:extLst>
       <p:ext uri="{BB962C8B-B14F-4D97-AF65-F5344CB8AC3E}">
-        <p14:creationId xmlns:p14="http://schemas.microsoft.com/office/powerpoint/2010/main" val="4286820907"/>
+        <p14:creationId xmlns:p14="http://schemas.microsoft.com/office/powerpoint/2010/main" val="2251580471"/>
       </p:ext>
     </p:extLst>
   </p:cSld>
@@ -5762,7 +5908,7 @@
           <p:cNvPr id="2" name="Title 1">
             <a:extLst>
               <a:ext uri="{FF2B5EF4-FFF2-40B4-BE49-F238E27FC236}">
-                <a16:creationId xmlns:a16="http://schemas.microsoft.com/office/drawing/2014/main" id="{80F0B593-80BD-4C95-A7A7-2CDCAF6246A2}"/>
+                <a16:creationId xmlns:a16="http://schemas.microsoft.com/office/drawing/2014/main" id="{1DDEB090-7B9D-4FED-8B06-9E5F8AEC2204}"/>
               </a:ext>
             </a:extLst>
           </p:cNvPr>
@@ -5780,12 +5926,9 @@
           <a:p>
             <a:r>
               <a:rPr lang="en-US" dirty="0" err="1"/>
-              <a:t>Monitorovaci</a:t>
-            </a:r>
-            <a:r>
-              <a:rPr lang="en-US" dirty="0"/>
-              <a:t> system</a:t>
-            </a:r>
+              <a:t>Varovania</a:t>
+            </a:r>
+            <a:endParaRPr lang="en-US" dirty="0"/>
           </a:p>
         </p:txBody>
       </p:sp>
@@ -5794,7 +5937,7 @@
           <p:cNvPr id="3" name="Content Placeholder 2">
             <a:extLst>
               <a:ext uri="{FF2B5EF4-FFF2-40B4-BE49-F238E27FC236}">
-                <a16:creationId xmlns:a16="http://schemas.microsoft.com/office/drawing/2014/main" id="{93414D50-E7D1-4424-93AA-3FEF561B94D4}"/>
+                <a16:creationId xmlns:a16="http://schemas.microsoft.com/office/drawing/2014/main" id="{6EE0500E-59F1-47FD-884B-F120338ADD35}"/>
               </a:ext>
             </a:extLst>
           </p:cNvPr>
@@ -5823,31 +5966,7 @@
             <a:pPr lvl="1"/>
             <a:r>
               <a:rPr lang="en-US" dirty="0" err="1"/>
-              <a:t>Spracovanie</a:t>
-            </a:r>
-            <a:r>
-              <a:rPr lang="en-US" dirty="0"/>
-              <a:t> a </a:t>
-            </a:r>
-            <a:r>
-              <a:rPr lang="en-US" dirty="0" err="1"/>
-              <a:t>ukladanie</a:t>
-            </a:r>
-            <a:r>
-              <a:rPr lang="en-US" dirty="0"/>
-              <a:t> – </a:t>
-            </a:r>
-            <a:r>
-              <a:rPr lang="en-US" dirty="0" err="1"/>
-              <a:t>prichadzajucich</a:t>
-            </a:r>
-            <a:r>
-              <a:rPr lang="en-US" dirty="0"/>
-              <a:t> </a:t>
-            </a:r>
-            <a:r>
-              <a:rPr lang="en-US" dirty="0" err="1"/>
-              <a:t>dat</a:t>
+              <a:t>Upozornit</a:t>
             </a:r>
             <a:endParaRPr lang="en-US" dirty="0"/>
           </a:p>
@@ -5855,132 +5974,32 @@
             <a:pPr lvl="1"/>
             <a:r>
               <a:rPr lang="en-US" dirty="0" err="1"/>
-              <a:t>Vizualizacia</a:t>
-            </a:r>
-            <a:r>
-              <a:rPr lang="en-US" dirty="0"/>
-              <a:t> </a:t>
-            </a:r>
+              <a:t>Zautomatizovane</a:t>
+            </a:r>
+            <a:endParaRPr lang="en-US" dirty="0"/>
           </a:p>
           <a:p>
             <a:pPr lvl="1"/>
             <a:r>
               <a:rPr lang="en-US" dirty="0" err="1"/>
-              <a:t>Varovanie</a:t>
+              <a:t>Triedenie</a:t>
+            </a:r>
+            <a:r>
+              <a:rPr lang="en-US" dirty="0"/>
+              <a:t> </a:t>
+            </a:r>
+            <a:r>
+              <a:rPr lang="en-US" dirty="0" err="1"/>
+              <a:t>problemov</a:t>
             </a:r>
             <a:endParaRPr lang="en-US" dirty="0"/>
-          </a:p>
-          <a:p>
-            <a:pPr lvl="1"/>
-            <a:endParaRPr lang="en-US" dirty="0"/>
-          </a:p>
-          <a:p>
-            <a:pPr lvl="1"/>
-            <a:r>
-              <a:rPr lang="en-US" dirty="0"/>
-              <a:t>Pre </a:t>
-            </a:r>
-            <a:r>
-              <a:rPr lang="en-US" dirty="0" err="1"/>
-              <a:t>monitorovanie</a:t>
-            </a:r>
-            <a:r>
-              <a:rPr lang="en-US" dirty="0"/>
-              <a:t> ML</a:t>
-            </a:r>
-          </a:p>
-          <a:p>
-            <a:pPr lvl="2"/>
-            <a:r>
-              <a:rPr lang="en-US" dirty="0" err="1"/>
-              <a:t>Monitorovanie</a:t>
-            </a:r>
-            <a:r>
-              <a:rPr lang="en-US" dirty="0"/>
-              <a:t> </a:t>
-            </a:r>
-            <a:r>
-              <a:rPr lang="en-US" dirty="0" err="1"/>
-              <a:t>predikcii</a:t>
-            </a:r>
-            <a:r>
-              <a:rPr lang="en-US" dirty="0"/>
-              <a:t> – </a:t>
-            </a:r>
-            <a:r>
-              <a:rPr lang="en-US" dirty="0" err="1"/>
-              <a:t>sledovanie</a:t>
-            </a:r>
-            <a:r>
-              <a:rPr lang="en-US" dirty="0"/>
-              <a:t> </a:t>
-            </a:r>
-            <a:r>
-              <a:rPr lang="en-US" dirty="0" err="1"/>
-              <a:t>zmeny</a:t>
-            </a:r>
-            <a:r>
-              <a:rPr lang="en-US" dirty="0"/>
-              <a:t> </a:t>
-            </a:r>
-            <a:r>
-              <a:rPr lang="en-US" dirty="0" err="1"/>
-              <a:t>distribucie</a:t>
-            </a:r>
-            <a:r>
-              <a:rPr lang="en-US" dirty="0"/>
-              <a:t>, a pod…</a:t>
-            </a:r>
-          </a:p>
-          <a:p>
-            <a:pPr lvl="2"/>
-            <a:r>
-              <a:rPr lang="en-US" dirty="0" err="1"/>
-              <a:t>Monitorovanie</a:t>
-            </a:r>
-            <a:r>
-              <a:rPr lang="en-US" dirty="0"/>
-              <a:t> </a:t>
-            </a:r>
-            <a:r>
-              <a:rPr lang="en-US" dirty="0" err="1"/>
-              <a:t>vykonnosti</a:t>
-            </a:r>
-            <a:r>
-              <a:rPr lang="en-US" dirty="0"/>
-              <a:t> – </a:t>
-            </a:r>
-            <a:r>
-              <a:rPr lang="en-US" dirty="0" err="1"/>
-              <a:t>rychlost</a:t>
-            </a:r>
-            <a:r>
-              <a:rPr lang="en-US" dirty="0"/>
-              <a:t> </a:t>
-            </a:r>
-            <a:r>
-              <a:rPr lang="en-US" dirty="0" err="1"/>
-              <a:t>trenovania</a:t>
-            </a:r>
-            <a:r>
-              <a:rPr lang="en-US" dirty="0"/>
-              <a:t>, </a:t>
-            </a:r>
-            <a:r>
-              <a:rPr lang="en-US" dirty="0" err="1"/>
-              <a:t>odozva</a:t>
-            </a:r>
-            <a:r>
-              <a:rPr lang="en-US" dirty="0"/>
-              <a:t> API, a pod…</a:t>
-            </a:r>
           </a:p>
         </p:txBody>
       </p:sp>
     </p:spTree>
     <p:extLst>
       <p:ext uri="{BB962C8B-B14F-4D97-AF65-F5344CB8AC3E}">
-        <p14:creationId xmlns:p14="http://schemas.microsoft.com/office/powerpoint/2010/main" val="2251580471"/>
+        <p14:creationId xmlns:p14="http://schemas.microsoft.com/office/powerpoint/2010/main" val="4286820907"/>
       </p:ext>
     </p:extLst>
   </p:cSld>
